--- a/lectures3/Pythonlearn-11-Regex-PL.pptx
+++ b/lectures3/Pythonlearn-11-Regex-PL.pptx
@@ -5957,7 +5957,7 @@
               <a:buNone/>
             </a:pPr>
             <a:r>
-              <a:rPr lang="pl" sz="7600" b="0" i="0" u="none" strike="noStrike" cap="none" baseline="0">
+              <a:rPr lang="pl" sz="7600" b="0" i="0" u="none" strike="noStrike" cap="none" baseline="0" dirty="0">
                 <a:solidFill>
                   <a:srgbClr val="FFD966"/>
                 </a:solidFill>

--- a/lectures3/Pythonlearn-11-Regex-PL.pptx
+++ b/lectures3/Pythonlearn-11-Regex-PL.pptx
@@ -586,12 +586,12 @@
               <a:buNone/>
             </a:pPr>
             <a:r>
-              <a:rPr lang="pl" sz="1100" b="0" i="0" u="none" strike="noStrike" cap="none" baseline="0">
+              <a:rPr lang="pl-PL" sz="1100" b="0" i="0" u="none" strike="noStrike" cap="none" baseline="0" dirty="0">
                 <a:solidFill>
                   <a:schemeClr val="dk2"/>
                 </a:solidFill>
               </a:rPr>
-              <a:t>Notka od Chucka  Używając tych materiałów masz prawo usunąć logo UM i zastąpić je własnym ale zostaw proszę logo CC-BY na pierwszej stronie oraz strony z podziękowaniami dla współtwórców.</a:t>
+              <a:t>Notka od Chucka: używając tych materiałów masz prawo usunąć logo UM i zastąpić je własnym, ale zostaw proszę logo CC-BY na pierwszej stronie oraz strony z podziękowaniami dla współtwórców.</a:t>
             </a:r>
             <a:endParaRPr lang="pl" sz="1100" b="0" i="0" u="none" strike="noStrike" cap="none" dirty="0">
               <a:solidFill>
@@ -6878,7 +6878,31 @@
                 <a:cs typeface="Arial Regular" charset="0"/>
                 <a:sym typeface="Cabin"/>
               </a:rPr>
-              <a:t>Dostosowujemy dopasowanie, dodając do ciągów specjalne znaki</a:t>
+              <a:t>Dostosowujemy dopasowanie, dodając do </a:t>
+            </a:r>
+            <a:r>
+              <a:rPr lang="pl-PL" sz="3600" b="0" i="0" u="none" strike="noStrike" cap="none" baseline="0" dirty="0">
+                <a:solidFill>
+                  <a:srgbClr val="FFD966"/>
+                </a:solidFill>
+                <a:latin typeface="Arial Regular" charset="0"/>
+                <a:ea typeface="Arial Regular" charset="0"/>
+                <a:cs typeface="Arial Regular" charset="0"/>
+                <a:sym typeface="Cabin"/>
+              </a:rPr>
+              <a:t>napisów</a:t>
+            </a:r>
+            <a:r>
+              <a:rPr lang="pl" sz="3600" b="0" i="0" u="none" strike="noStrike" cap="none" baseline="0" dirty="0">
+                <a:solidFill>
+                  <a:srgbClr val="FFD966"/>
+                </a:solidFill>
+                <a:latin typeface="Arial Regular" charset="0"/>
+                <a:ea typeface="Arial Regular" charset="0"/>
+                <a:cs typeface="Arial Regular" charset="0"/>
+                <a:sym typeface="Cabin"/>
+              </a:rPr>
+              <a:t> specjalne znaki</a:t>
             </a:r>
           </a:p>
         </p:txBody>
@@ -12394,7 +12418,19 @@
                 <a:cs typeface="Arial Regular" charset="0"/>
                 <a:sym typeface="Cabin"/>
               </a:rPr>
-              <a:t>Dostosowywanie wyodrębniania ciągów</a:t>
+              <a:t>Dostosowywanie wyodrębniania </a:t>
+            </a:r>
+            <a:r>
+              <a:rPr lang="pl-PL" sz="7600" b="0" i="0" u="none" strike="noStrike" cap="none" baseline="0" dirty="0">
+                <a:solidFill>
+                  <a:srgbClr val="FFD966"/>
+                </a:solidFill>
+                <a:latin typeface="Arial Regular" charset="0"/>
+                <a:ea typeface="Arial Regular" charset="0"/>
+                <a:cs typeface="Arial Regular" charset="0"/>
+                <a:sym typeface="Cabin"/>
+              </a:rPr>
+              <a:t>ciągów znaków</a:t>
             </a:r>
           </a:p>
         </p:txBody>
@@ -12980,7 +13016,7 @@
               <a:buNone/>
             </a:pPr>
             <a:r>
-              <a:rPr lang="pl" sz="7600" b="0" i="0" u="none" strike="noStrike" cap="none" baseline="0">
+              <a:rPr lang="pl" sz="7600" b="0" i="0" u="none" strike="noStrike" cap="none" baseline="0" dirty="0">
                 <a:solidFill>
                   <a:srgbClr val="FFD966"/>
                 </a:solidFill>
@@ -12990,6 +13026,30 @@
                 <a:sym typeface="Cabin"/>
               </a:rPr>
               <a:t>Dostosowywanie wyodrębniania ciągów</a:t>
+            </a:r>
+            <a:r>
+              <a:rPr lang="en-US" sz="7600" b="0" i="0" u="none" strike="noStrike" cap="none" baseline="0" dirty="0">
+                <a:solidFill>
+                  <a:srgbClr val="FFD966"/>
+                </a:solidFill>
+                <a:latin typeface="Arial Regular" charset="0"/>
+                <a:ea typeface="Arial Regular" charset="0"/>
+                <a:cs typeface="Arial Regular" charset="0"/>
+                <a:sym typeface="Cabin"/>
+              </a:rPr>
+              <a:t> </a:t>
+            </a:r>
+            <a:r>
+              <a:rPr lang="pl-PL" sz="7600" b="0" i="0" u="none" strike="noStrike" cap="none" baseline="0" dirty="0">
+                <a:solidFill>
+                  <a:srgbClr val="FFD966"/>
+                </a:solidFill>
+                <a:latin typeface="Arial Regular" charset="0"/>
+                <a:ea typeface="Arial Regular" charset="0"/>
+                <a:cs typeface="Arial Regular" charset="0"/>
+                <a:sym typeface="Cabin"/>
+              </a:rPr>
+              <a:t>znaków</a:t>
             </a:r>
           </a:p>
         </p:txBody>
@@ -13973,7 +14033,31 @@
                 <a:cs typeface="Arial Regular" charset="0"/>
                 <a:sym typeface="Cabin"/>
               </a:rPr>
-              <a:t>, to zwięzła ale zaawansowana metoda wyszukiwania pasujących fragmentów tekstu, poszczególnych znaków, słów lub ich kombinacji. Wyrażenia regularne zapisuje się w formalnym języku, który może być przetwarzany przez interpretator wyrażeń regularnych.</a:t>
+              <a:t>, to zwięzła ale zaawansowana metoda wyszukiwania pasujących fragmentów tekstu, poszczególnych znaków, słów lub ich kombinacji. Wyrażenia regularne zapisuje się w formalnym języku, który może być przetwarzany przez interpret</a:t>
+            </a:r>
+            <a:r>
+              <a:rPr lang="en-US" sz="3600" b="0" i="0" u="none" strike="noStrike" cap="none" baseline="0" dirty="0">
+                <a:solidFill>
+                  <a:schemeClr val="lt1"/>
+                </a:solidFill>
+                <a:latin typeface="Arial Regular" charset="0"/>
+                <a:ea typeface="Arial Regular" charset="0"/>
+                <a:cs typeface="Arial Regular" charset="0"/>
+                <a:sym typeface="Cabin"/>
+              </a:rPr>
+              <a:t>er</a:t>
+            </a:r>
+            <a:r>
+              <a:rPr lang="pl" sz="3600" b="0" i="0" u="none" strike="noStrike" cap="none" baseline="0" dirty="0">
+                <a:solidFill>
+                  <a:schemeClr val="lt1"/>
+                </a:solidFill>
+                <a:latin typeface="Arial Regular" charset="0"/>
+                <a:ea typeface="Arial Regular" charset="0"/>
+                <a:cs typeface="Arial Regular" charset="0"/>
+                <a:sym typeface="Cabin"/>
+              </a:rPr>
+              <a:t> wyrażeń regularnych.</a:t>
             </a:r>
           </a:p>
         </p:txBody>
@@ -14020,8 +14104,16 @@
           <a:p>
             <a:pPr rtl="0"/>
             <a:r>
-              <a:rPr lang="pl" b="0" i="0" u="none" baseline="0"/>
-              <a:t>Przykłady parsowania ciągów...</a:t>
+              <a:rPr lang="pl" b="0" i="0" u="none" baseline="0" dirty="0"/>
+              <a:t>Przykłady parsowania </a:t>
+            </a:r>
+            <a:r>
+              <a:rPr lang="pl-PL" b="0" i="0" u="none" baseline="0" dirty="0"/>
+              <a:t>napisów</a:t>
+            </a:r>
+            <a:r>
+              <a:rPr lang="pl" b="0" i="0" u="none" baseline="0" dirty="0"/>
+              <a:t>...</a:t>
             </a:r>
             <a:endParaRPr lang="pl" dirty="0"/>
           </a:p>
@@ -25457,7 +25549,19 @@
                 <a:cs typeface="Arial Regular" charset="0"/>
                 <a:sym typeface="Cabin"/>
               </a:rPr>
-              <a:t>dla ciągów znaków</a:t>
+              <a:t>dla </a:t>
+            </a:r>
+            <a:r>
+              <a:rPr lang="pl-PL" sz="3600" b="0" i="0" u="none" strike="noStrike" cap="none" baseline="0" dirty="0">
+                <a:solidFill>
+                  <a:schemeClr val="lt1"/>
+                </a:solidFill>
+                <a:latin typeface="Arial Regular" charset="0"/>
+                <a:ea typeface="Arial Regular" charset="0"/>
+                <a:cs typeface="Arial Regular" charset="0"/>
+                <a:sym typeface="Cabin"/>
+              </a:rPr>
+              <a:t>napisów</a:t>
             </a:r>
           </a:p>
           <a:p>
